--- a/Figure/Figure.pptx
+++ b/Figure/Figure.pptx
@@ -7,6 +7,9 @@
   <p:sldIdLst>
     <p:sldId id="256" r:id="rId2"/>
     <p:sldId id="257" r:id="rId3"/>
+    <p:sldId id="258" r:id="rId4"/>
+    <p:sldId id="259" r:id="rId5"/>
+    <p:sldId id="260" r:id="rId6"/>
   </p:sldIdLst>
   <p:sldSz cx="12192000" cy="6858000"/>
   <p:notesSz cx="7104063" cy="10234613"/>
@@ -260,7 +263,7 @@
           <a:p>
             <a:fld id="{9204080E-F9D3-4093-8B02-7220CB350893}" type="datetimeFigureOut">
               <a:rPr lang="ko-KR" altLang="en-US" smtClean="0"/>
-              <a:t>2021-12-07</a:t>
+              <a:t>2021-12-09</a:t>
             </a:fld>
             <a:endParaRPr lang="ko-KR" altLang="en-US"/>
           </a:p>
@@ -458,7 +461,7 @@
           <a:p>
             <a:fld id="{9204080E-F9D3-4093-8B02-7220CB350893}" type="datetimeFigureOut">
               <a:rPr lang="ko-KR" altLang="en-US" smtClean="0"/>
-              <a:t>2021-12-07</a:t>
+              <a:t>2021-12-09</a:t>
             </a:fld>
             <a:endParaRPr lang="ko-KR" altLang="en-US"/>
           </a:p>
@@ -666,7 +669,7 @@
           <a:p>
             <a:fld id="{9204080E-F9D3-4093-8B02-7220CB350893}" type="datetimeFigureOut">
               <a:rPr lang="ko-KR" altLang="en-US" smtClean="0"/>
-              <a:t>2021-12-07</a:t>
+              <a:t>2021-12-09</a:t>
             </a:fld>
             <a:endParaRPr lang="ko-KR" altLang="en-US"/>
           </a:p>
@@ -864,7 +867,7 @@
           <a:p>
             <a:fld id="{9204080E-F9D3-4093-8B02-7220CB350893}" type="datetimeFigureOut">
               <a:rPr lang="ko-KR" altLang="en-US" smtClean="0"/>
-              <a:t>2021-12-07</a:t>
+              <a:t>2021-12-09</a:t>
             </a:fld>
             <a:endParaRPr lang="ko-KR" altLang="en-US"/>
           </a:p>
@@ -1139,7 +1142,7 @@
           <a:p>
             <a:fld id="{9204080E-F9D3-4093-8B02-7220CB350893}" type="datetimeFigureOut">
               <a:rPr lang="ko-KR" altLang="en-US" smtClean="0"/>
-              <a:t>2021-12-07</a:t>
+              <a:t>2021-12-09</a:t>
             </a:fld>
             <a:endParaRPr lang="ko-KR" altLang="en-US"/>
           </a:p>
@@ -1404,7 +1407,7 @@
           <a:p>
             <a:fld id="{9204080E-F9D3-4093-8B02-7220CB350893}" type="datetimeFigureOut">
               <a:rPr lang="ko-KR" altLang="en-US" smtClean="0"/>
-              <a:t>2021-12-07</a:t>
+              <a:t>2021-12-09</a:t>
             </a:fld>
             <a:endParaRPr lang="ko-KR" altLang="en-US"/>
           </a:p>
@@ -1816,7 +1819,7 @@
           <a:p>
             <a:fld id="{9204080E-F9D3-4093-8B02-7220CB350893}" type="datetimeFigureOut">
               <a:rPr lang="ko-KR" altLang="en-US" smtClean="0"/>
-              <a:t>2021-12-07</a:t>
+              <a:t>2021-12-09</a:t>
             </a:fld>
             <a:endParaRPr lang="ko-KR" altLang="en-US"/>
           </a:p>
@@ -1957,7 +1960,7 @@
           <a:p>
             <a:fld id="{9204080E-F9D3-4093-8B02-7220CB350893}" type="datetimeFigureOut">
               <a:rPr lang="ko-KR" altLang="en-US" smtClean="0"/>
-              <a:t>2021-12-07</a:t>
+              <a:t>2021-12-09</a:t>
             </a:fld>
             <a:endParaRPr lang="ko-KR" altLang="en-US"/>
           </a:p>
@@ -2070,7 +2073,7 @@
           <a:p>
             <a:fld id="{9204080E-F9D3-4093-8B02-7220CB350893}" type="datetimeFigureOut">
               <a:rPr lang="ko-KR" altLang="en-US" smtClean="0"/>
-              <a:t>2021-12-07</a:t>
+              <a:t>2021-12-09</a:t>
             </a:fld>
             <a:endParaRPr lang="ko-KR" altLang="en-US"/>
           </a:p>
@@ -2381,7 +2384,7 @@
           <a:p>
             <a:fld id="{9204080E-F9D3-4093-8B02-7220CB350893}" type="datetimeFigureOut">
               <a:rPr lang="ko-KR" altLang="en-US" smtClean="0"/>
-              <a:t>2021-12-07</a:t>
+              <a:t>2021-12-09</a:t>
             </a:fld>
             <a:endParaRPr lang="ko-KR" altLang="en-US"/>
           </a:p>
@@ -2669,7 +2672,7 @@
           <a:p>
             <a:fld id="{9204080E-F9D3-4093-8B02-7220CB350893}" type="datetimeFigureOut">
               <a:rPr lang="ko-KR" altLang="en-US" smtClean="0"/>
-              <a:t>2021-12-07</a:t>
+              <a:t>2021-12-09</a:t>
             </a:fld>
             <a:endParaRPr lang="ko-KR" altLang="en-US"/>
           </a:p>
@@ -2910,7 +2913,7 @@
           <a:p>
             <a:fld id="{9204080E-F9D3-4093-8B02-7220CB350893}" type="datetimeFigureOut">
               <a:rPr lang="ko-KR" altLang="en-US" smtClean="0"/>
-              <a:t>2021-12-07</a:t>
+              <a:t>2021-12-09</a:t>
             </a:fld>
             <a:endParaRPr lang="ko-KR" altLang="en-US"/>
           </a:p>
@@ -3430,6 +3433,186 @@
 </p:sld>
 </file>
 
+<file path=ppt/slides/slide3.xml><?xml version="1.0" encoding="utf-8"?>
+<p:sld xmlns:a="http://schemas.openxmlformats.org/drawingml/2006/main" xmlns:r="http://schemas.openxmlformats.org/officeDocument/2006/relationships" xmlns:p="http://schemas.openxmlformats.org/presentationml/2006/main">
+  <p:cSld>
+    <p:spTree>
+      <p:nvGrpSpPr>
+        <p:cNvPr id="1" name=""/>
+        <p:cNvGrpSpPr/>
+        <p:nvPr/>
+      </p:nvGrpSpPr>
+      <p:grpSpPr>
+        <a:xfrm>
+          <a:off x="0" y="0"/>
+          <a:ext cx="0" cy="0"/>
+          <a:chOff x="0" y="0"/>
+          <a:chExt cx="0" cy="0"/>
+        </a:xfrm>
+      </p:grpSpPr>
+      <p:pic>
+        <p:nvPicPr>
+          <p:cNvPr id="3" name="그림 2">
+            <a:extLst>
+              <a:ext uri="{FF2B5EF4-FFF2-40B4-BE49-F238E27FC236}">
+                <a16:creationId xmlns:a16="http://schemas.microsoft.com/office/drawing/2014/main" id="{863CDD5A-55A0-45CA-B4B9-B276F4B7AB7B}"/>
+              </a:ext>
+            </a:extLst>
+          </p:cNvPr>
+          <p:cNvPicPr>
+            <a:picLocks noChangeAspect="1"/>
+          </p:cNvPicPr>
+          <p:nvPr/>
+        </p:nvPicPr>
+        <p:blipFill>
+          <a:blip r:embed="rId2"/>
+          <a:stretch>
+            <a:fillRect/>
+          </a:stretch>
+        </p:blipFill>
+        <p:spPr>
+          <a:xfrm>
+            <a:off x="3437824" y="0"/>
+            <a:ext cx="5316351" cy="6858000"/>
+          </a:xfrm>
+          <a:prstGeom prst="rect">
+            <a:avLst/>
+          </a:prstGeom>
+        </p:spPr>
+      </p:pic>
+    </p:spTree>
+    <p:extLst>
+      <p:ext uri="{BB962C8B-B14F-4D97-AF65-F5344CB8AC3E}">
+        <p14:creationId xmlns:p14="http://schemas.microsoft.com/office/powerpoint/2010/main" val="2665660799"/>
+      </p:ext>
+    </p:extLst>
+  </p:cSld>
+  <p:clrMapOvr>
+    <a:masterClrMapping/>
+  </p:clrMapOvr>
+</p:sld>
+</file>
+
+<file path=ppt/slides/slide4.xml><?xml version="1.0" encoding="utf-8"?>
+<p:sld xmlns:a="http://schemas.openxmlformats.org/drawingml/2006/main" xmlns:r="http://schemas.openxmlformats.org/officeDocument/2006/relationships" xmlns:p="http://schemas.openxmlformats.org/presentationml/2006/main">
+  <p:cSld>
+    <p:spTree>
+      <p:nvGrpSpPr>
+        <p:cNvPr id="1" name=""/>
+        <p:cNvGrpSpPr/>
+        <p:nvPr/>
+      </p:nvGrpSpPr>
+      <p:grpSpPr>
+        <a:xfrm>
+          <a:off x="0" y="0"/>
+          <a:ext cx="0" cy="0"/>
+          <a:chOff x="0" y="0"/>
+          <a:chExt cx="0" cy="0"/>
+        </a:xfrm>
+      </p:grpSpPr>
+      <p:pic>
+        <p:nvPicPr>
+          <p:cNvPr id="2" name="그림 1">
+            <a:extLst>
+              <a:ext uri="{FF2B5EF4-FFF2-40B4-BE49-F238E27FC236}">
+                <a16:creationId xmlns:a16="http://schemas.microsoft.com/office/drawing/2014/main" id="{727D8ECF-F834-49A1-85B8-FD41E702C042}"/>
+              </a:ext>
+            </a:extLst>
+          </p:cNvPr>
+          <p:cNvPicPr>
+            <a:picLocks noChangeAspect="1"/>
+          </p:cNvPicPr>
+          <p:nvPr/>
+        </p:nvPicPr>
+        <p:blipFill>
+          <a:blip r:embed="rId2"/>
+          <a:stretch>
+            <a:fillRect/>
+          </a:stretch>
+        </p:blipFill>
+        <p:spPr>
+          <a:xfrm>
+            <a:off x="1294730" y="2090550"/>
+            <a:ext cx="9602540" cy="2676899"/>
+          </a:xfrm>
+          <a:prstGeom prst="rect">
+            <a:avLst/>
+          </a:prstGeom>
+        </p:spPr>
+      </p:pic>
+    </p:spTree>
+    <p:extLst>
+      <p:ext uri="{BB962C8B-B14F-4D97-AF65-F5344CB8AC3E}">
+        <p14:creationId xmlns:p14="http://schemas.microsoft.com/office/powerpoint/2010/main" val="2370321887"/>
+      </p:ext>
+    </p:extLst>
+  </p:cSld>
+  <p:clrMapOvr>
+    <a:masterClrMapping/>
+  </p:clrMapOvr>
+</p:sld>
+</file>
+
+<file path=ppt/slides/slide5.xml><?xml version="1.0" encoding="utf-8"?>
+<p:sld xmlns:a="http://schemas.openxmlformats.org/drawingml/2006/main" xmlns:r="http://schemas.openxmlformats.org/officeDocument/2006/relationships" xmlns:p="http://schemas.openxmlformats.org/presentationml/2006/main">
+  <p:cSld>
+    <p:spTree>
+      <p:nvGrpSpPr>
+        <p:cNvPr id="1" name=""/>
+        <p:cNvGrpSpPr/>
+        <p:nvPr/>
+      </p:nvGrpSpPr>
+      <p:grpSpPr>
+        <a:xfrm>
+          <a:off x="0" y="0"/>
+          <a:ext cx="0" cy="0"/>
+          <a:chOff x="0" y="0"/>
+          <a:chExt cx="0" cy="0"/>
+        </a:xfrm>
+      </p:grpSpPr>
+      <p:pic>
+        <p:nvPicPr>
+          <p:cNvPr id="3" name="그림 2">
+            <a:extLst>
+              <a:ext uri="{FF2B5EF4-FFF2-40B4-BE49-F238E27FC236}">
+                <a16:creationId xmlns:a16="http://schemas.microsoft.com/office/drawing/2014/main" id="{F368864E-507D-4680-A726-D8D372CEDA49}"/>
+              </a:ext>
+            </a:extLst>
+          </p:cNvPr>
+          <p:cNvPicPr>
+            <a:picLocks noChangeAspect="1"/>
+          </p:cNvPicPr>
+          <p:nvPr/>
+        </p:nvPicPr>
+        <p:blipFill>
+          <a:blip r:embed="rId2"/>
+          <a:stretch>
+            <a:fillRect/>
+          </a:stretch>
+        </p:blipFill>
+        <p:spPr>
+          <a:xfrm>
+            <a:off x="0" y="732388"/>
+            <a:ext cx="12192000" cy="5393223"/>
+          </a:xfrm>
+          <a:prstGeom prst="rect">
+            <a:avLst/>
+          </a:prstGeom>
+        </p:spPr>
+      </p:pic>
+    </p:spTree>
+    <p:extLst>
+      <p:ext uri="{BB962C8B-B14F-4D97-AF65-F5344CB8AC3E}">
+        <p14:creationId xmlns:p14="http://schemas.microsoft.com/office/powerpoint/2010/main" val="1561247261"/>
+      </p:ext>
+    </p:extLst>
+  </p:cSld>
+  <p:clrMapOvr>
+    <a:masterClrMapping/>
+  </p:clrMapOvr>
+</p:sld>
+</file>
+
 <file path=ppt/theme/theme1.xml><?xml version="1.0" encoding="utf-8"?>
 <a:theme xmlns:a="http://schemas.openxmlformats.org/drawingml/2006/main" name="Office 테마">
   <a:themeElements>

--- a/Figure/Figure.pptx
+++ b/Figure/Figure.pptx
@@ -10,6 +10,10 @@
     <p:sldId id="258" r:id="rId4"/>
     <p:sldId id="259" r:id="rId5"/>
     <p:sldId id="260" r:id="rId6"/>
+    <p:sldId id="261" r:id="rId7"/>
+    <p:sldId id="262" r:id="rId8"/>
+    <p:sldId id="263" r:id="rId9"/>
+    <p:sldId id="264" r:id="rId10"/>
   </p:sldIdLst>
   <p:sldSz cx="12192000" cy="6858000"/>
   <p:notesSz cx="7104063" cy="10234613"/>
@@ -3613,6 +3617,344 @@
 </p:sld>
 </file>
 
+<file path=ppt/slides/slide6.xml><?xml version="1.0" encoding="utf-8"?>
+<p:sld xmlns:a="http://schemas.openxmlformats.org/drawingml/2006/main" xmlns:r="http://schemas.openxmlformats.org/officeDocument/2006/relationships" xmlns:p="http://schemas.openxmlformats.org/presentationml/2006/main">
+  <p:cSld>
+    <p:spTree>
+      <p:nvGrpSpPr>
+        <p:cNvPr id="1" name=""/>
+        <p:cNvGrpSpPr/>
+        <p:nvPr/>
+      </p:nvGrpSpPr>
+      <p:grpSpPr>
+        <a:xfrm>
+          <a:off x="0" y="0"/>
+          <a:ext cx="0" cy="0"/>
+          <a:chOff x="0" y="0"/>
+          <a:chExt cx="0" cy="0"/>
+        </a:xfrm>
+      </p:grpSpPr>
+      <p:pic>
+        <p:nvPicPr>
+          <p:cNvPr id="2" name="그림 1">
+            <a:extLst>
+              <a:ext uri="{FF2B5EF4-FFF2-40B4-BE49-F238E27FC236}">
+                <a16:creationId xmlns:a16="http://schemas.microsoft.com/office/drawing/2014/main" id="{09B13BA3-DBFA-4665-B760-48BF5CCB8F10}"/>
+              </a:ext>
+            </a:extLst>
+          </p:cNvPr>
+          <p:cNvPicPr>
+            <a:picLocks noChangeAspect="1"/>
+          </p:cNvPicPr>
+          <p:nvPr/>
+        </p:nvPicPr>
+        <p:blipFill>
+          <a:blip r:embed="rId2"/>
+          <a:stretch>
+            <a:fillRect/>
+          </a:stretch>
+        </p:blipFill>
+        <p:spPr>
+          <a:xfrm>
+            <a:off x="0" y="311684"/>
+            <a:ext cx="12192000" cy="6234631"/>
+          </a:xfrm>
+          <a:prstGeom prst="rect">
+            <a:avLst/>
+          </a:prstGeom>
+        </p:spPr>
+      </p:pic>
+    </p:spTree>
+    <p:extLst>
+      <p:ext uri="{BB962C8B-B14F-4D97-AF65-F5344CB8AC3E}">
+        <p14:creationId xmlns:p14="http://schemas.microsoft.com/office/powerpoint/2010/main" val="2491094790"/>
+      </p:ext>
+    </p:extLst>
+  </p:cSld>
+  <p:clrMapOvr>
+    <a:masterClrMapping/>
+  </p:clrMapOvr>
+</p:sld>
+</file>
+
+<file path=ppt/slides/slide7.xml><?xml version="1.0" encoding="utf-8"?>
+<p:sld xmlns:a="http://schemas.openxmlformats.org/drawingml/2006/main" xmlns:r="http://schemas.openxmlformats.org/officeDocument/2006/relationships" xmlns:p="http://schemas.openxmlformats.org/presentationml/2006/main">
+  <p:cSld>
+    <p:spTree>
+      <p:nvGrpSpPr>
+        <p:cNvPr id="1" name=""/>
+        <p:cNvGrpSpPr/>
+        <p:nvPr/>
+      </p:nvGrpSpPr>
+      <p:grpSpPr>
+        <a:xfrm>
+          <a:off x="0" y="0"/>
+          <a:ext cx="0" cy="0"/>
+          <a:chOff x="0" y="0"/>
+          <a:chExt cx="0" cy="0"/>
+        </a:xfrm>
+      </p:grpSpPr>
+      <p:pic>
+        <p:nvPicPr>
+          <p:cNvPr id="3" name="그림 2">
+            <a:extLst>
+              <a:ext uri="{FF2B5EF4-FFF2-40B4-BE49-F238E27FC236}">
+                <a16:creationId xmlns:a16="http://schemas.microsoft.com/office/drawing/2014/main" id="{92E609B4-01BF-4AC5-BA0B-C31603D51F98}"/>
+              </a:ext>
+            </a:extLst>
+          </p:cNvPr>
+          <p:cNvPicPr>
+            <a:picLocks noChangeAspect="1"/>
+          </p:cNvPicPr>
+          <p:nvPr/>
+        </p:nvPicPr>
+        <p:blipFill>
+          <a:blip r:embed="rId2"/>
+          <a:stretch>
+            <a:fillRect/>
+          </a:stretch>
+        </p:blipFill>
+        <p:spPr>
+          <a:xfrm>
+            <a:off x="0" y="1666978"/>
+            <a:ext cx="12192000" cy="3524044"/>
+          </a:xfrm>
+          <a:prstGeom prst="rect">
+            <a:avLst/>
+          </a:prstGeom>
+        </p:spPr>
+      </p:pic>
+    </p:spTree>
+    <p:extLst>
+      <p:ext uri="{BB962C8B-B14F-4D97-AF65-F5344CB8AC3E}">
+        <p14:creationId xmlns:p14="http://schemas.microsoft.com/office/powerpoint/2010/main" val="4284068639"/>
+      </p:ext>
+    </p:extLst>
+  </p:cSld>
+  <p:clrMapOvr>
+    <a:masterClrMapping/>
+  </p:clrMapOvr>
+</p:sld>
+</file>
+
+<file path=ppt/slides/slide8.xml><?xml version="1.0" encoding="utf-8"?>
+<p:sld xmlns:a="http://schemas.openxmlformats.org/drawingml/2006/main" xmlns:r="http://schemas.openxmlformats.org/officeDocument/2006/relationships" xmlns:p="http://schemas.openxmlformats.org/presentationml/2006/main">
+  <p:cSld>
+    <p:spTree>
+      <p:nvGrpSpPr>
+        <p:cNvPr id="1" name=""/>
+        <p:cNvGrpSpPr/>
+        <p:nvPr/>
+      </p:nvGrpSpPr>
+      <p:grpSpPr>
+        <a:xfrm>
+          <a:off x="0" y="0"/>
+          <a:ext cx="0" cy="0"/>
+          <a:chOff x="0" y="0"/>
+          <a:chExt cx="0" cy="0"/>
+        </a:xfrm>
+      </p:grpSpPr>
+      <p:grpSp>
+        <p:nvGrpSpPr>
+          <p:cNvPr id="6" name="그룹 5">
+            <a:extLst>
+              <a:ext uri="{FF2B5EF4-FFF2-40B4-BE49-F238E27FC236}">
+                <a16:creationId xmlns:a16="http://schemas.microsoft.com/office/drawing/2014/main" id="{4267E2D8-D0AA-450C-BB74-881B11B4E73B}"/>
+              </a:ext>
+            </a:extLst>
+          </p:cNvPr>
+          <p:cNvGrpSpPr/>
+          <p:nvPr/>
+        </p:nvGrpSpPr>
+        <p:grpSpPr>
+          <a:xfrm>
+            <a:off x="1364541" y="320104"/>
+            <a:ext cx="9462918" cy="6217791"/>
+            <a:chOff x="1128375" y="587101"/>
+            <a:chExt cx="8602653" cy="5652537"/>
+          </a:xfrm>
+        </p:grpSpPr>
+        <p:pic>
+          <p:nvPicPr>
+            <p:cNvPr id="2" name="그림 1">
+              <a:extLst>
+                <a:ext uri="{FF2B5EF4-FFF2-40B4-BE49-F238E27FC236}">
+                  <a16:creationId xmlns:a16="http://schemas.microsoft.com/office/drawing/2014/main" id="{38D51BE6-E096-4530-8911-FD20F8CBE42A}"/>
+                </a:ext>
+              </a:extLst>
+            </p:cNvPr>
+            <p:cNvPicPr>
+              <a:picLocks noChangeAspect="1"/>
+            </p:cNvPicPr>
+            <p:nvPr/>
+          </p:nvPicPr>
+          <p:blipFill>
+            <a:blip r:embed="rId2"/>
+            <a:stretch>
+              <a:fillRect/>
+            </a:stretch>
+          </p:blipFill>
+          <p:spPr>
+            <a:xfrm>
+              <a:off x="1128375" y="590646"/>
+              <a:ext cx="4311882" cy="1946592"/>
+            </a:xfrm>
+            <a:prstGeom prst="rect">
+              <a:avLst/>
+            </a:prstGeom>
+          </p:spPr>
+        </p:pic>
+        <p:pic>
+          <p:nvPicPr>
+            <p:cNvPr id="4" name="그림 3">
+              <a:extLst>
+                <a:ext uri="{FF2B5EF4-FFF2-40B4-BE49-F238E27FC236}">
+                  <a16:creationId xmlns:a16="http://schemas.microsoft.com/office/drawing/2014/main" id="{97600C6A-A3FE-4E48-9C14-AE2490466F17}"/>
+                </a:ext>
+              </a:extLst>
+            </p:cNvPr>
+            <p:cNvPicPr>
+              <a:picLocks noChangeAspect="1"/>
+            </p:cNvPicPr>
+            <p:nvPr/>
+          </p:nvPicPr>
+          <p:blipFill>
+            <a:blip r:embed="rId3"/>
+            <a:stretch>
+              <a:fillRect/>
+            </a:stretch>
+          </p:blipFill>
+          <p:spPr>
+            <a:xfrm>
+              <a:off x="6717661" y="587101"/>
+              <a:ext cx="3013367" cy="1946592"/>
+            </a:xfrm>
+            <a:prstGeom prst="rect">
+              <a:avLst/>
+            </a:prstGeom>
+          </p:spPr>
+        </p:pic>
+        <p:pic>
+          <p:nvPicPr>
+            <p:cNvPr id="5" name="그림 4">
+              <a:extLst>
+                <a:ext uri="{FF2B5EF4-FFF2-40B4-BE49-F238E27FC236}">
+                  <a16:creationId xmlns:a16="http://schemas.microsoft.com/office/drawing/2014/main" id="{DFFB6D5A-F50C-4CA7-92B1-B11761FFD50A}"/>
+                </a:ext>
+              </a:extLst>
+            </p:cNvPr>
+            <p:cNvPicPr>
+              <a:picLocks noChangeAspect="1"/>
+            </p:cNvPicPr>
+            <p:nvPr/>
+          </p:nvPicPr>
+          <p:blipFill>
+            <a:blip r:embed="rId4"/>
+            <a:stretch>
+              <a:fillRect/>
+            </a:stretch>
+          </p:blipFill>
+          <p:spPr>
+            <a:xfrm>
+              <a:off x="1132983" y="3055685"/>
+              <a:ext cx="8598045" cy="3183953"/>
+            </a:xfrm>
+            <a:prstGeom prst="rect">
+              <a:avLst/>
+            </a:prstGeom>
+          </p:spPr>
+        </p:pic>
+      </p:grpSp>
+    </p:spTree>
+    <p:extLst>
+      <p:ext uri="{BB962C8B-B14F-4D97-AF65-F5344CB8AC3E}">
+        <p14:creationId xmlns:p14="http://schemas.microsoft.com/office/powerpoint/2010/main" val="885342212"/>
+      </p:ext>
+    </p:extLst>
+  </p:cSld>
+  <p:clrMapOvr>
+    <a:masterClrMapping/>
+  </p:clrMapOvr>
+</p:sld>
+</file>
+
+<file path=ppt/slides/slide9.xml><?xml version="1.0" encoding="utf-8"?>
+<p:sld xmlns:a="http://schemas.openxmlformats.org/drawingml/2006/main" xmlns:r="http://schemas.openxmlformats.org/officeDocument/2006/relationships" xmlns:p="http://schemas.openxmlformats.org/presentationml/2006/main">
+  <p:cSld>
+    <p:spTree>
+      <p:nvGrpSpPr>
+        <p:cNvPr id="1" name=""/>
+        <p:cNvGrpSpPr/>
+        <p:nvPr/>
+      </p:nvGrpSpPr>
+      <p:grpSpPr>
+        <a:xfrm>
+          <a:off x="0" y="0"/>
+          <a:ext cx="0" cy="0"/>
+          <a:chOff x="0" y="0"/>
+          <a:chExt cx="0" cy="0"/>
+        </a:xfrm>
+      </p:grpSpPr>
+      <p:pic>
+        <p:nvPicPr>
+          <p:cNvPr id="1026" name="Picture 2" descr="https://t1.daumcdn.net/cfile/tistory/99E4C84E5C4D31B728?original">
+            <a:extLst>
+              <a:ext uri="{FF2B5EF4-FFF2-40B4-BE49-F238E27FC236}">
+                <a16:creationId xmlns:a16="http://schemas.microsoft.com/office/drawing/2014/main" id="{0DA32EC1-177B-4142-952D-9845A49E66BE}"/>
+              </a:ext>
+            </a:extLst>
+          </p:cNvPr>
+          <p:cNvPicPr>
+            <a:picLocks noChangeAspect="1" noChangeArrowheads="1"/>
+          </p:cNvPicPr>
+          <p:nvPr/>
+        </p:nvPicPr>
+        <p:blipFill>
+          <a:blip r:embed="rId2">
+            <a:extLst>
+              <a:ext uri="{28A0092B-C50C-407E-A947-70E740481C1C}">
+                <a14:useLocalDpi xmlns:a14="http://schemas.microsoft.com/office/drawing/2010/main" val="0"/>
+              </a:ext>
+            </a:extLst>
+          </a:blip>
+          <a:srcRect/>
+          <a:stretch>
+            <a:fillRect/>
+          </a:stretch>
+        </p:blipFill>
+        <p:spPr bwMode="auto">
+          <a:xfrm>
+            <a:off x="1662113" y="1762125"/>
+            <a:ext cx="8867775" cy="3333750"/>
+          </a:xfrm>
+          <a:prstGeom prst="rect">
+            <a:avLst/>
+          </a:prstGeom>
+          <a:noFill/>
+          <a:extLst>
+            <a:ext uri="{909E8E84-426E-40DD-AFC4-6F175D3DCCD1}">
+              <a14:hiddenFill xmlns:a14="http://schemas.microsoft.com/office/drawing/2010/main">
+                <a:solidFill>
+                  <a:srgbClr val="FFFFFF"/>
+                </a:solidFill>
+              </a14:hiddenFill>
+            </a:ext>
+          </a:extLst>
+        </p:spPr>
+      </p:pic>
+    </p:spTree>
+    <p:extLst>
+      <p:ext uri="{BB962C8B-B14F-4D97-AF65-F5344CB8AC3E}">
+        <p14:creationId xmlns:p14="http://schemas.microsoft.com/office/powerpoint/2010/main" val="1686902779"/>
+      </p:ext>
+    </p:extLst>
+  </p:cSld>
+  <p:clrMapOvr>
+    <a:masterClrMapping/>
+  </p:clrMapOvr>
+</p:sld>
+</file>
+
 <file path=ppt/theme/theme1.xml><?xml version="1.0" encoding="utf-8"?>
 <a:theme xmlns:a="http://schemas.openxmlformats.org/drawingml/2006/main" name="Office 테마">
   <a:themeElements>

--- a/Figure/Figure.pptx
+++ b/Figure/Figure.pptx
@@ -14,6 +14,9 @@
     <p:sldId id="262" r:id="rId8"/>
     <p:sldId id="263" r:id="rId9"/>
     <p:sldId id="264" r:id="rId10"/>
+    <p:sldId id="265" r:id="rId11"/>
+    <p:sldId id="266" r:id="rId12"/>
+    <p:sldId id="267" r:id="rId13"/>
   </p:sldIdLst>
   <p:sldSz cx="12192000" cy="6858000"/>
   <p:notesSz cx="7104063" cy="10234613"/>
@@ -3368,6 +3371,186 @@
     <p:extLst>
       <p:ext uri="{BB962C8B-B14F-4D97-AF65-F5344CB8AC3E}">
         <p14:creationId xmlns:p14="http://schemas.microsoft.com/office/powerpoint/2010/main" val="887515176"/>
+      </p:ext>
+    </p:extLst>
+  </p:cSld>
+  <p:clrMapOvr>
+    <a:masterClrMapping/>
+  </p:clrMapOvr>
+</p:sld>
+</file>
+
+<file path=ppt/slides/slide10.xml><?xml version="1.0" encoding="utf-8"?>
+<p:sld xmlns:a="http://schemas.openxmlformats.org/drawingml/2006/main" xmlns:r="http://schemas.openxmlformats.org/officeDocument/2006/relationships" xmlns:p="http://schemas.openxmlformats.org/presentationml/2006/main">
+  <p:cSld>
+    <p:spTree>
+      <p:nvGrpSpPr>
+        <p:cNvPr id="1" name=""/>
+        <p:cNvGrpSpPr/>
+        <p:nvPr/>
+      </p:nvGrpSpPr>
+      <p:grpSpPr>
+        <a:xfrm>
+          <a:off x="0" y="0"/>
+          <a:ext cx="0" cy="0"/>
+          <a:chOff x="0" y="0"/>
+          <a:chExt cx="0" cy="0"/>
+        </a:xfrm>
+      </p:grpSpPr>
+      <p:pic>
+        <p:nvPicPr>
+          <p:cNvPr id="2" name="그림 1">
+            <a:extLst>
+              <a:ext uri="{FF2B5EF4-FFF2-40B4-BE49-F238E27FC236}">
+                <a16:creationId xmlns:a16="http://schemas.microsoft.com/office/drawing/2014/main" id="{EEC65501-C89B-4015-87B0-1D75087E1F06}"/>
+              </a:ext>
+            </a:extLst>
+          </p:cNvPr>
+          <p:cNvPicPr>
+            <a:picLocks noChangeAspect="1"/>
+          </p:cNvPicPr>
+          <p:nvPr/>
+        </p:nvPicPr>
+        <p:blipFill>
+          <a:blip r:embed="rId2"/>
+          <a:stretch>
+            <a:fillRect/>
+          </a:stretch>
+        </p:blipFill>
+        <p:spPr>
+          <a:xfrm>
+            <a:off x="680281" y="1295102"/>
+            <a:ext cx="10831437" cy="4267796"/>
+          </a:xfrm>
+          <a:prstGeom prst="rect">
+            <a:avLst/>
+          </a:prstGeom>
+        </p:spPr>
+      </p:pic>
+    </p:spTree>
+    <p:extLst>
+      <p:ext uri="{BB962C8B-B14F-4D97-AF65-F5344CB8AC3E}">
+        <p14:creationId xmlns:p14="http://schemas.microsoft.com/office/powerpoint/2010/main" val="3488893773"/>
+      </p:ext>
+    </p:extLst>
+  </p:cSld>
+  <p:clrMapOvr>
+    <a:masterClrMapping/>
+  </p:clrMapOvr>
+</p:sld>
+</file>
+
+<file path=ppt/slides/slide11.xml><?xml version="1.0" encoding="utf-8"?>
+<p:sld xmlns:a="http://schemas.openxmlformats.org/drawingml/2006/main" xmlns:r="http://schemas.openxmlformats.org/officeDocument/2006/relationships" xmlns:p="http://schemas.openxmlformats.org/presentationml/2006/main">
+  <p:cSld>
+    <p:spTree>
+      <p:nvGrpSpPr>
+        <p:cNvPr id="1" name=""/>
+        <p:cNvGrpSpPr/>
+        <p:nvPr/>
+      </p:nvGrpSpPr>
+      <p:grpSpPr>
+        <a:xfrm>
+          <a:off x="0" y="0"/>
+          <a:ext cx="0" cy="0"/>
+          <a:chOff x="0" y="0"/>
+          <a:chExt cx="0" cy="0"/>
+        </a:xfrm>
+      </p:grpSpPr>
+      <p:pic>
+        <p:nvPicPr>
+          <p:cNvPr id="3" name="그림 2">
+            <a:extLst>
+              <a:ext uri="{FF2B5EF4-FFF2-40B4-BE49-F238E27FC236}">
+                <a16:creationId xmlns:a16="http://schemas.microsoft.com/office/drawing/2014/main" id="{31160A3F-E746-46C5-BA9F-603701802F0D}"/>
+              </a:ext>
+            </a:extLst>
+          </p:cNvPr>
+          <p:cNvPicPr>
+            <a:picLocks noChangeAspect="1"/>
+          </p:cNvPicPr>
+          <p:nvPr/>
+        </p:nvPicPr>
+        <p:blipFill>
+          <a:blip r:embed="rId2"/>
+          <a:stretch>
+            <a:fillRect/>
+          </a:stretch>
+        </p:blipFill>
+        <p:spPr>
+          <a:xfrm>
+            <a:off x="3338127" y="1995287"/>
+            <a:ext cx="5515745" cy="2867425"/>
+          </a:xfrm>
+          <a:prstGeom prst="rect">
+            <a:avLst/>
+          </a:prstGeom>
+        </p:spPr>
+      </p:pic>
+    </p:spTree>
+    <p:extLst>
+      <p:ext uri="{BB962C8B-B14F-4D97-AF65-F5344CB8AC3E}">
+        <p14:creationId xmlns:p14="http://schemas.microsoft.com/office/powerpoint/2010/main" val="1502724392"/>
+      </p:ext>
+    </p:extLst>
+  </p:cSld>
+  <p:clrMapOvr>
+    <a:masterClrMapping/>
+  </p:clrMapOvr>
+</p:sld>
+</file>
+
+<file path=ppt/slides/slide12.xml><?xml version="1.0" encoding="utf-8"?>
+<p:sld xmlns:a="http://schemas.openxmlformats.org/drawingml/2006/main" xmlns:r="http://schemas.openxmlformats.org/officeDocument/2006/relationships" xmlns:p="http://schemas.openxmlformats.org/presentationml/2006/main">
+  <p:cSld>
+    <p:spTree>
+      <p:nvGrpSpPr>
+        <p:cNvPr id="1" name=""/>
+        <p:cNvGrpSpPr/>
+        <p:nvPr/>
+      </p:nvGrpSpPr>
+      <p:grpSpPr>
+        <a:xfrm>
+          <a:off x="0" y="0"/>
+          <a:ext cx="0" cy="0"/>
+          <a:chOff x="0" y="0"/>
+          <a:chExt cx="0" cy="0"/>
+        </a:xfrm>
+      </p:grpSpPr>
+      <p:pic>
+        <p:nvPicPr>
+          <p:cNvPr id="2" name="그림 1">
+            <a:extLst>
+              <a:ext uri="{FF2B5EF4-FFF2-40B4-BE49-F238E27FC236}">
+                <a16:creationId xmlns:a16="http://schemas.microsoft.com/office/drawing/2014/main" id="{898FFA2A-EE6A-4DDD-92D2-8529C7C0A178}"/>
+              </a:ext>
+            </a:extLst>
+          </p:cNvPr>
+          <p:cNvPicPr>
+            <a:picLocks noChangeAspect="1"/>
+          </p:cNvPicPr>
+          <p:nvPr/>
+        </p:nvPicPr>
+        <p:blipFill>
+          <a:blip r:embed="rId2"/>
+          <a:stretch>
+            <a:fillRect/>
+          </a:stretch>
+        </p:blipFill>
+        <p:spPr>
+          <a:xfrm>
+            <a:off x="1261388" y="2142945"/>
+            <a:ext cx="9669224" cy="2572109"/>
+          </a:xfrm>
+          <a:prstGeom prst="rect">
+            <a:avLst/>
+          </a:prstGeom>
+        </p:spPr>
+      </p:pic>
+    </p:spTree>
+    <p:extLst>
+      <p:ext uri="{BB962C8B-B14F-4D97-AF65-F5344CB8AC3E}">
+        <p14:creationId xmlns:p14="http://schemas.microsoft.com/office/powerpoint/2010/main" val="327019855"/>
       </p:ext>
     </p:extLst>
   </p:cSld>
